--- a/cache/73c99fb9-f828-43ce-b87a-01dc07faa224/109_4.pptx
+++ b/cache/73c99fb9-f828-43ce-b87a-01dc07faa224/109_4.pptx
@@ -64,7 +64,7 @@
         <p:txBody>
           <a:bodyPr/>
           <a:p>
-            <a:fld id="{2058BC22-754E-48F3-8577-D58804C324E6}" type="slidenum">
+            <a:fld id="{A643A429-DFF0-4617-826A-29D20D19AE11}" type="slidenum">
               <a:t>&lt;#&gt;</a:t>
             </a:fld>
           </a:p>
@@ -252,7 +252,7 @@
         <p:txBody>
           <a:bodyPr/>
           <a:p>
-            <a:fld id="{65BE97C8-E537-4C20-8C22-34F8C79BDAE6}" type="slidenum">
+            <a:fld id="{2B46F83C-C269-413D-BFC8-4013213CB2C4}" type="slidenum">
               <a:t>&lt;#&gt;</a:t>
             </a:fld>
           </a:p>
@@ -508,7 +508,7 @@
         <p:txBody>
           <a:bodyPr/>
           <a:p>
-            <a:fld id="{34E00878-703E-43EC-BA0A-EBB8564B2743}" type="slidenum">
+            <a:fld id="{AD238C06-9DC9-40B0-922C-EFF453D859A0}" type="slidenum">
               <a:t>&lt;#&gt;</a:t>
             </a:fld>
           </a:p>
@@ -832,7 +832,7 @@
         <p:txBody>
           <a:bodyPr/>
           <a:p>
-            <a:fld id="{C050E2F4-C322-43D0-90EA-A3981790605E}" type="slidenum">
+            <a:fld id="{4618C2AC-1CDD-4BE5-8FB0-1FC2B48C48E3}" type="slidenum">
               <a:t>&lt;#&gt;</a:t>
             </a:fld>
           </a:p>
@@ -989,7 +989,7 @@
         <p:txBody>
           <a:bodyPr/>
           <a:p>
-            <a:fld id="{8C49585D-9C6B-480A-AE97-460F2F05E085}" type="slidenum">
+            <a:fld id="{8D519828-C375-4B9A-8274-567491B726C0}" type="slidenum">
               <a:t>&lt;#&gt;</a:t>
             </a:fld>
           </a:p>
@@ -1143,7 +1143,7 @@
         <p:txBody>
           <a:bodyPr/>
           <a:p>
-            <a:fld id="{BA77163E-DDFF-425B-B026-78C040704946}" type="slidenum">
+            <a:fld id="{5D5E5737-28E1-47AB-BF39-40C8418C0D3F}" type="slidenum">
               <a:t>&lt;#&gt;</a:t>
             </a:fld>
           </a:p>
@@ -1331,7 +1331,7 @@
         <p:txBody>
           <a:bodyPr/>
           <a:p>
-            <a:fld id="{BFC6520A-C30B-4BB0-8713-9E99CFCA23F0}" type="slidenum">
+            <a:fld id="{482CED93-B30F-4E36-A2A9-D010C83ABDCE}" type="slidenum">
               <a:t>&lt;#&gt;</a:t>
             </a:fld>
           </a:p>
@@ -1451,7 +1451,7 @@
         <p:txBody>
           <a:bodyPr/>
           <a:p>
-            <a:fld id="{D0AB28AC-655B-4701-A14D-5B41F3150B38}" type="slidenum">
+            <a:fld id="{33442D7B-F4C5-4384-A8E0-D978F84271CD}" type="slidenum">
               <a:t>&lt;#&gt;</a:t>
             </a:fld>
           </a:p>
@@ -1571,7 +1571,7 @@
         <p:txBody>
           <a:bodyPr/>
           <a:p>
-            <a:fld id="{1BDFBB81-0F22-4579-93E4-1B09BB0AD474}" type="slidenum">
+            <a:fld id="{5F52F150-C4C0-4DC2-A1FC-E6650F3CF75F}" type="slidenum">
               <a:t>&lt;#&gt;</a:t>
             </a:fld>
           </a:p>
@@ -1793,7 +1793,7 @@
         <p:txBody>
           <a:bodyPr/>
           <a:p>
-            <a:fld id="{CA33C406-7B4F-42BA-B020-B61F945DCB97}" type="slidenum">
+            <a:fld id="{B5F56A97-CC2F-4DF9-B16E-03769E89D1E9}" type="slidenum">
               <a:t>&lt;#&gt;</a:t>
             </a:fld>
           </a:p>
@@ -2015,7 +2015,7 @@
         <p:txBody>
           <a:bodyPr/>
           <a:p>
-            <a:fld id="{DC90696B-B970-4678-899F-72F53136F816}" type="slidenum">
+            <a:fld id="{FA2BDDD6-B132-42E8-AB59-43E010F4771B}" type="slidenum">
               <a:t>&lt;#&gt;</a:t>
             </a:fld>
           </a:p>
@@ -2237,7 +2237,7 @@
         <p:txBody>
           <a:bodyPr/>
           <a:p>
-            <a:fld id="{C86FA272-F828-4D2C-8D7E-FBE724AFA5DB}" type="slidenum">
+            <a:fld id="{1E4B0EAB-E9A6-4E28-A8EC-E5DCD68FF903}" type="slidenum">
               <a:t>&lt;#&gt;</a:t>
             </a:fld>
           </a:p>
@@ -2398,7 +2398,7 @@
               </a:lnSpc>
               <a:buNone/>
             </a:pPr>
-            <a:fld id="{048AE5C8-4FCD-4C95-9A15-E51AE92037FD}" type="slidenum">
+            <a:fld id="{C81CC5FD-EF40-44CE-89BE-F26E89960D63}" type="slidenum">
               <a:rPr b="0" lang="en-US" sz="1200" spc="-1" strike="noStrike">
                 <a:solidFill>
                   <a:srgbClr val="8b8b8b"/>
